--- a/DSCI6007-02_MIDTERM_PROJECT_DECK_TEAM1.pptx
+++ b/DSCI6007-02_MIDTERM_PROJECT_DECK_TEAM1.pptx
@@ -10,10 +10,11 @@
     <p:sldId id="258" r:id="rId4"/>
     <p:sldId id="262" r:id="rId5"/>
     <p:sldId id="259" r:id="rId6"/>
-    <p:sldId id="260" r:id="rId7"/>
-    <p:sldId id="261" r:id="rId8"/>
-    <p:sldId id="265" r:id="rId9"/>
-    <p:sldId id="264" r:id="rId10"/>
+    <p:sldId id="265" r:id="rId7"/>
+    <p:sldId id="260" r:id="rId8"/>
+    <p:sldId id="261" r:id="rId9"/>
+    <p:sldId id="267" r:id="rId10"/>
+    <p:sldId id="264" r:id="rId11"/>
   </p:sldIdLst>
   <p:sldSz cx="12192000" cy="6858000"/>
   <p:notesSz cx="6858000" cy="9144000"/>
@@ -284,7 +285,7 @@
           <a:p>
             <a:fld id="{F07CD3FD-BE54-4400-942B-C6C15AA73DFD}" type="datetimeFigureOut">
               <a:rPr lang="en-US" smtClean="0"/>
-              <a:t>10/16/23</a:t>
+              <a:t>10/17/23</a:t>
             </a:fld>
             <a:endParaRPr lang="en-US"/>
           </a:p>
@@ -484,7 +485,7 @@
           <a:p>
             <a:fld id="{F07CD3FD-BE54-4400-942B-C6C15AA73DFD}" type="datetimeFigureOut">
               <a:rPr lang="en-US" smtClean="0"/>
-              <a:t>10/16/23</a:t>
+              <a:t>10/17/23</a:t>
             </a:fld>
             <a:endParaRPr lang="en-US"/>
           </a:p>
@@ -695,7 +696,7 @@
           <a:p>
             <a:fld id="{F07CD3FD-BE54-4400-942B-C6C15AA73DFD}" type="datetimeFigureOut">
               <a:rPr lang="en-US" smtClean="0"/>
-              <a:t>10/16/23</a:t>
+              <a:t>10/17/23</a:t>
             </a:fld>
             <a:endParaRPr lang="en-US"/>
           </a:p>
@@ -894,7 +895,7 @@
           <a:p>
             <a:fld id="{F07CD3FD-BE54-4400-942B-C6C15AA73DFD}" type="datetimeFigureOut">
               <a:rPr lang="en-US" smtClean="0"/>
-              <a:t>10/16/23</a:t>
+              <a:t>10/17/23</a:t>
             </a:fld>
             <a:endParaRPr lang="en-US"/>
           </a:p>
@@ -1175,7 +1176,7 @@
           <a:p>
             <a:fld id="{F07CD3FD-BE54-4400-942B-C6C15AA73DFD}" type="datetimeFigureOut">
               <a:rPr lang="en-US" smtClean="0"/>
-              <a:t>10/16/23</a:t>
+              <a:t>10/17/23</a:t>
             </a:fld>
             <a:endParaRPr lang="en-US"/>
           </a:p>
@@ -1443,7 +1444,7 @@
           <a:p>
             <a:fld id="{F07CD3FD-BE54-4400-942B-C6C15AA73DFD}" type="datetimeFigureOut">
               <a:rPr lang="en-US" smtClean="0"/>
-              <a:t>10/16/23</a:t>
+              <a:t>10/17/23</a:t>
             </a:fld>
             <a:endParaRPr lang="en-US"/>
           </a:p>
@@ -1862,7 +1863,7 @@
           <a:p>
             <a:fld id="{F07CD3FD-BE54-4400-942B-C6C15AA73DFD}" type="datetimeFigureOut">
               <a:rPr lang="en-US" smtClean="0"/>
-              <a:t>10/16/23</a:t>
+              <a:t>10/17/23</a:t>
             </a:fld>
             <a:endParaRPr lang="en-US"/>
           </a:p>
@@ -2005,7 +2006,7 @@
           <a:p>
             <a:fld id="{F07CD3FD-BE54-4400-942B-C6C15AA73DFD}" type="datetimeFigureOut">
               <a:rPr lang="en-US" smtClean="0"/>
-              <a:t>10/16/23</a:t>
+              <a:t>10/17/23</a:t>
             </a:fld>
             <a:endParaRPr lang="en-US"/>
           </a:p>
@@ -2119,7 +2120,7 @@
           <a:p>
             <a:fld id="{F07CD3FD-BE54-4400-942B-C6C15AA73DFD}" type="datetimeFigureOut">
               <a:rPr lang="en-US" smtClean="0"/>
-              <a:t>10/16/23</a:t>
+              <a:t>10/17/23</a:t>
             </a:fld>
             <a:endParaRPr lang="en-US"/>
           </a:p>
@@ -2435,7 +2436,7 @@
           <a:p>
             <a:fld id="{F07CD3FD-BE54-4400-942B-C6C15AA73DFD}" type="datetimeFigureOut">
               <a:rPr lang="en-US" smtClean="0"/>
-              <a:t>10/16/23</a:t>
+              <a:t>10/17/23</a:t>
             </a:fld>
             <a:endParaRPr lang="en-US"/>
           </a:p>
@@ -2728,7 +2729,7 @@
           <a:p>
             <a:fld id="{F07CD3FD-BE54-4400-942B-C6C15AA73DFD}" type="datetimeFigureOut">
               <a:rPr lang="en-US" smtClean="0"/>
-              <a:t>10/16/23</a:t>
+              <a:t>10/17/23</a:t>
             </a:fld>
             <a:endParaRPr lang="en-US"/>
           </a:p>
@@ -2968,7 +2969,7 @@
           <a:p>
             <a:fld id="{F07CD3FD-BE54-4400-942B-C6C15AA73DFD}" type="datetimeFigureOut">
               <a:rPr lang="en-US" smtClean="0"/>
-              <a:t>10/16/23</a:t>
+              <a:t>10/17/23</a:t>
             </a:fld>
             <a:endParaRPr lang="en-US"/>
           </a:p>
@@ -3441,7 +3442,7 @@
           <p:nvPr/>
         </p:nvPicPr>
         <p:blipFill rotWithShape="1">
-          <a:blip r:embed="rId2">
+          <a:blip r:embed="rId4">
             <a:alphaModFix/>
           </a:blip>
           <a:srcRect r="-2" b="15603"/>
@@ -3540,7 +3541,7 @@
                   <a:spcPts val="600"/>
                 </a:spcAft>
               </a:pPr>
-              <a:t>10/16/23</a:t>
+              <a:t>10/17/23</a:t>
             </a:fld>
             <a:endParaRPr lang="en-US" dirty="0">
               <a:solidFill>
@@ -3557,6 +3558,44 @@
           </a:p>
         </p:txBody>
       </p:sp>
+      <p:pic>
+        <p:nvPicPr>
+          <p:cNvPr id="3" name="s1.mp3">
+            <a:hlinkClick r:id="" action="ppaction://media"/>
+            <a:extLst>
+              <a:ext uri="{FF2B5EF4-FFF2-40B4-BE49-F238E27FC236}">
+                <a16:creationId xmlns:a16="http://schemas.microsoft.com/office/drawing/2014/main" id="{0B76DBA1-74C7-4C8C-1255-0D23F28F9190}"/>
+              </a:ext>
+            </a:extLst>
+          </p:cNvPr>
+          <p:cNvPicPr>
+            <a:picLocks noChangeAspect="1"/>
+          </p:cNvPicPr>
+          <p:nvPr>
+            <a:audioFile r:link="rId2"/>
+            <p:extLst>
+              <p:ext uri="{DAA4B4D4-6D71-4841-9C94-3DE7FCFB9230}">
+                <p14:media xmlns:p14="http://schemas.microsoft.com/office/powerpoint/2010/main" r:embed="rId1"/>
+              </p:ext>
+            </p:extLst>
+          </p:nvPr>
+        </p:nvPicPr>
+        <p:blipFill>
+          <a:blip r:embed="rId5"/>
+          <a:stretch>
+            <a:fillRect/>
+          </a:stretch>
+        </p:blipFill>
+        <p:spPr>
+          <a:xfrm>
+            <a:off x="11311491" y="6114699"/>
+            <a:ext cx="606776" cy="606776"/>
+          </a:xfrm>
+          <a:prstGeom prst="rect">
+            <a:avLst/>
+          </a:prstGeom>
+        </p:spPr>
+      </p:pic>
     </p:spTree>
     <p:extLst>
       <p:ext uri="{BB962C8B-B14F-4D97-AF65-F5344CB8AC3E}">
@@ -3567,6 +3606,295 @@
   <p:clrMapOvr>
     <a:masterClrMapping/>
   </p:clrMapOvr>
+  <mc:AlternateContent xmlns:mc="http://schemas.openxmlformats.org/markup-compatibility/2006">
+    <mc:Choice xmlns:p14="http://schemas.microsoft.com/office/powerpoint/2010/main" Requires="p14">
+      <p:transition spd="slow" p14:dur="2000" advTm="3545"/>
+    </mc:Choice>
+    <mc:Fallback>
+      <p:transition spd="slow" advTm="3545"/>
+    </mc:Fallback>
+  </mc:AlternateContent>
+  <p:timing>
+    <p:tnLst>
+      <p:par>
+        <p:cTn id="1" dur="indefinite" restart="never" nodeType="tmRoot">
+          <p:childTnLst>
+            <p:seq concurrent="1" nextAc="seek">
+              <p:cTn id="2" dur="indefinite" nodeType="mainSeq">
+                <p:childTnLst>
+                  <p:par>
+                    <p:cTn id="3" fill="hold">
+                      <p:stCondLst>
+                        <p:cond delay="indefinite"/>
+                        <p:cond evt="onBegin" delay="0">
+                          <p:tn val="2"/>
+                        </p:cond>
+                      </p:stCondLst>
+                      <p:childTnLst>
+                        <p:par>
+                          <p:cTn id="4" fill="hold">
+                            <p:stCondLst>
+                              <p:cond delay="0"/>
+                            </p:stCondLst>
+                            <p:childTnLst>
+                              <p:par>
+                                <p:cTn id="5" presetID="1" presetClass="mediacall" presetSubtype="0" fill="hold" nodeType="afterEffect">
+                                  <p:stCondLst>
+                                    <p:cond delay="0"/>
+                                  </p:stCondLst>
+                                  <p:childTnLst>
+                                    <p:cmd type="call" cmd="playFrom(0.0)">
+                                      <p:cBhvr>
+                                        <p:cTn id="6" dur="7810" fill="hold"/>
+                                        <p:tgtEl>
+                                          <p:spTgt spid="3"/>
+                                        </p:tgtEl>
+                                      </p:cBhvr>
+                                    </p:cmd>
+                                  </p:childTnLst>
+                                </p:cTn>
+                              </p:par>
+                            </p:childTnLst>
+                          </p:cTn>
+                        </p:par>
+                      </p:childTnLst>
+                    </p:cTn>
+                  </p:par>
+                </p:childTnLst>
+              </p:cTn>
+              <p:prevCondLst>
+                <p:cond evt="onPrev" delay="0">
+                  <p:tgtEl>
+                    <p:sldTgt/>
+                  </p:tgtEl>
+                </p:cond>
+              </p:prevCondLst>
+              <p:nextCondLst>
+                <p:cond evt="onNext" delay="0">
+                  <p:tgtEl>
+                    <p:sldTgt/>
+                  </p:tgtEl>
+                </p:cond>
+              </p:nextCondLst>
+            </p:seq>
+            <p:audio>
+              <p:cMediaNode vol="80000" showWhenStopped="0">
+                <p:cTn id="7" fill="hold" display="0">
+                  <p:stCondLst>
+                    <p:cond delay="indefinite"/>
+                  </p:stCondLst>
+                  <p:endCondLst>
+                    <p:cond evt="onStopAudio" delay="0">
+                      <p:tgtEl>
+                        <p:sldTgt/>
+                      </p:tgtEl>
+                    </p:cond>
+                  </p:endCondLst>
+                </p:cTn>
+                <p:tgtEl>
+                  <p:spTgt spid="3"/>
+                </p:tgtEl>
+              </p:cMediaNode>
+            </p:audio>
+          </p:childTnLst>
+        </p:cTn>
+      </p:par>
+    </p:tnLst>
+  </p:timing>
+</p:sld>
+</file>
+
+<file path=ppt/slides/slide10.xml><?xml version="1.0" encoding="utf-8"?>
+<p:sld xmlns:a="http://schemas.openxmlformats.org/drawingml/2006/main" xmlns:r="http://schemas.openxmlformats.org/officeDocument/2006/relationships" xmlns:p="http://schemas.openxmlformats.org/presentationml/2006/main">
+  <p:cSld>
+    <p:spTree>
+      <p:nvGrpSpPr>
+        <p:cNvPr id="1" name=""/>
+        <p:cNvGrpSpPr/>
+        <p:nvPr/>
+      </p:nvGrpSpPr>
+      <p:grpSpPr>
+        <a:xfrm>
+          <a:off x="0" y="0"/>
+          <a:ext cx="0" cy="0"/>
+          <a:chOff x="0" y="0"/>
+          <a:chExt cx="0" cy="0"/>
+        </a:xfrm>
+      </p:grpSpPr>
+      <p:sp>
+        <p:nvSpPr>
+          <p:cNvPr id="3" name="Content Placeholder 2">
+            <a:extLst>
+              <a:ext uri="{FF2B5EF4-FFF2-40B4-BE49-F238E27FC236}">
+                <a16:creationId xmlns:a16="http://schemas.microsoft.com/office/drawing/2014/main" id="{0365FB92-E70F-1D30-3435-B5BD7C1FC638}"/>
+              </a:ext>
+            </a:extLst>
+          </p:cNvPr>
+          <p:cNvSpPr>
+            <a:spLocks noGrp="1"/>
+          </p:cNvSpPr>
+          <p:nvPr>
+            <p:ph idx="1"/>
+          </p:nvPr>
+        </p:nvSpPr>
+        <p:spPr>
+          <a:xfrm>
+            <a:off x="980256" y="2894951"/>
+            <a:ext cx="10104408" cy="1053526"/>
+          </a:xfrm>
+        </p:spPr>
+        <p:txBody>
+          <a:bodyPr vert="horz" lIns="91440" tIns="45720" rIns="91440" bIns="45720" rtlCol="0" anchor="t">
+            <a:normAutofit/>
+          </a:bodyPr>
+          <a:lstStyle/>
+          <a:p>
+            <a:pPr marL="0" indent="0" algn="ctr">
+              <a:buNone/>
+            </a:pPr>
+            <a:r>
+              <a:rPr lang="en-US" sz="4800" dirty="0"/>
+              <a:t>THANK YOU</a:t>
+            </a:r>
+            <a:endParaRPr lang="en-US"/>
+          </a:p>
+        </p:txBody>
+      </p:sp>
+      <p:pic>
+        <p:nvPicPr>
+          <p:cNvPr id="2" name="s10.mp3">
+            <a:hlinkClick r:id="" action="ppaction://media"/>
+            <a:extLst>
+              <a:ext uri="{FF2B5EF4-FFF2-40B4-BE49-F238E27FC236}">
+                <a16:creationId xmlns:a16="http://schemas.microsoft.com/office/drawing/2014/main" id="{A1D902CC-D870-37CE-91BD-C1EFFEDB2F5E}"/>
+              </a:ext>
+            </a:extLst>
+          </p:cNvPr>
+          <p:cNvPicPr>
+            <a:picLocks noChangeAspect="1"/>
+          </p:cNvPicPr>
+          <p:nvPr>
+            <a:audioFile r:link="rId2"/>
+            <p:extLst>
+              <p:ext uri="{DAA4B4D4-6D71-4841-9C94-3DE7FCFB9230}">
+                <p14:media xmlns:p14="http://schemas.microsoft.com/office/powerpoint/2010/main" r:embed="rId1"/>
+              </p:ext>
+            </p:extLst>
+          </p:nvPr>
+        </p:nvPicPr>
+        <p:blipFill>
+          <a:blip r:embed="rId4"/>
+          <a:stretch>
+            <a:fillRect/>
+          </a:stretch>
+        </p:blipFill>
+        <p:spPr>
+          <a:xfrm>
+            <a:off x="11379200" y="6045200"/>
+            <a:ext cx="812800" cy="812800"/>
+          </a:xfrm>
+          <a:prstGeom prst="rect">
+            <a:avLst/>
+          </a:prstGeom>
+        </p:spPr>
+      </p:pic>
+    </p:spTree>
+    <p:extLst>
+      <p:ext uri="{BB962C8B-B14F-4D97-AF65-F5344CB8AC3E}">
+        <p14:creationId xmlns:p14="http://schemas.microsoft.com/office/powerpoint/2010/main" val="797935927"/>
+      </p:ext>
+    </p:extLst>
+  </p:cSld>
+  <p:clrMapOvr>
+    <a:masterClrMapping/>
+  </p:clrMapOvr>
+  <p:timing>
+    <p:tnLst>
+      <p:par>
+        <p:cTn id="1" dur="indefinite" restart="never" nodeType="tmRoot">
+          <p:childTnLst>
+            <p:seq concurrent="1" nextAc="seek">
+              <p:cTn id="2" dur="indefinite" nodeType="mainSeq">
+                <p:childTnLst>
+                  <p:par>
+                    <p:cTn id="3" fill="hold">
+                      <p:stCondLst>
+                        <p:cond delay="indefinite"/>
+                        <p:cond evt="onBegin" delay="0">
+                          <p:tn val="2"/>
+                        </p:cond>
+                      </p:stCondLst>
+                      <p:childTnLst>
+                        <p:par>
+                          <p:cTn id="4" fill="hold">
+                            <p:stCondLst>
+                              <p:cond delay="0"/>
+                            </p:stCondLst>
+                            <p:childTnLst>
+                              <p:par>
+                                <p:cTn id="5" presetID="1" presetClass="mediacall" presetSubtype="0" fill="hold" nodeType="afterEffect">
+                                  <p:stCondLst>
+                                    <p:cond delay="0"/>
+                                  </p:stCondLst>
+                                  <p:childTnLst>
+                                    <p:cmd type="call" cmd="playFrom(0.0)">
+                                      <p:cBhvr>
+                                        <p:cTn id="6" dur="4101" fill="hold"/>
+                                        <p:tgtEl>
+                                          <p:spTgt spid="2"/>
+                                        </p:tgtEl>
+                                      </p:cBhvr>
+                                    </p:cmd>
+                                  </p:childTnLst>
+                                </p:cTn>
+                              </p:par>
+                            </p:childTnLst>
+                          </p:cTn>
+                        </p:par>
+                      </p:childTnLst>
+                    </p:cTn>
+                  </p:par>
+                </p:childTnLst>
+              </p:cTn>
+              <p:prevCondLst>
+                <p:cond evt="onPrev" delay="0">
+                  <p:tgtEl>
+                    <p:sldTgt/>
+                  </p:tgtEl>
+                </p:cond>
+              </p:prevCondLst>
+              <p:nextCondLst>
+                <p:cond evt="onNext" delay="0">
+                  <p:tgtEl>
+                    <p:sldTgt/>
+                  </p:tgtEl>
+                </p:cond>
+              </p:nextCondLst>
+            </p:seq>
+            <p:audio>
+              <p:cMediaNode vol="80000" showWhenStopped="0">
+                <p:cTn id="7" fill="hold" display="0">
+                  <p:stCondLst>
+                    <p:cond delay="indefinite"/>
+                  </p:stCondLst>
+                  <p:endCondLst>
+                    <p:cond evt="onStopAudio" delay="0">
+                      <p:tgtEl>
+                        <p:sldTgt/>
+                      </p:tgtEl>
+                    </p:cond>
+                  </p:endCondLst>
+                </p:cTn>
+                <p:tgtEl>
+                  <p:spTgt spid="2"/>
+                </p:tgtEl>
+              </p:cMediaNode>
+            </p:audio>
+          </p:childTnLst>
+        </p:cTn>
+      </p:par>
+    </p:tnLst>
+  </p:timing>
 </p:sld>
 </file>
 
@@ -3670,6 +3998,12 @@
           <a:p>
             <a:r>
               <a:rPr lang="en-US" dirty="0"/>
+              <a:t>Proposed Solution</a:t>
+            </a:r>
+          </a:p>
+          <a:p>
+            <a:r>
+              <a:rPr lang="en-US" dirty="0"/>
               <a:t>Data Understanding</a:t>
             </a:r>
           </a:p>
@@ -3682,11 +4016,49 @@
           <a:p>
             <a:r>
               <a:rPr lang="en-US" dirty="0"/>
-              <a:t>Proposed Solution</a:t>
-            </a:r>
-          </a:p>
-        </p:txBody>
-      </p:sp>
+              <a:t>Measures of Success</a:t>
+            </a:r>
+          </a:p>
+        </p:txBody>
+      </p:sp>
+      <p:pic>
+        <p:nvPicPr>
+          <p:cNvPr id="12" name="s2.mp3">
+            <a:hlinkClick r:id="" action="ppaction://media"/>
+            <a:extLst>
+              <a:ext uri="{FF2B5EF4-FFF2-40B4-BE49-F238E27FC236}">
+                <a16:creationId xmlns:a16="http://schemas.microsoft.com/office/drawing/2014/main" id="{1311D7E3-C900-DD9D-2DDA-AE16687A26C2}"/>
+              </a:ext>
+            </a:extLst>
+          </p:cNvPr>
+          <p:cNvPicPr>
+            <a:picLocks noChangeAspect="1"/>
+          </p:cNvPicPr>
+          <p:nvPr>
+            <a:audioFile r:link="rId2"/>
+            <p:extLst>
+              <p:ext uri="{DAA4B4D4-6D71-4841-9C94-3DE7FCFB9230}">
+                <p14:media xmlns:p14="http://schemas.microsoft.com/office/powerpoint/2010/main" r:embed="rId1"/>
+              </p:ext>
+            </p:extLst>
+          </p:nvPr>
+        </p:nvPicPr>
+        <p:blipFill>
+          <a:blip r:embed="rId4"/>
+          <a:stretch>
+            <a:fillRect/>
+          </a:stretch>
+        </p:blipFill>
+        <p:spPr>
+          <a:xfrm>
+            <a:off x="11265757" y="6045200"/>
+            <a:ext cx="812800" cy="812800"/>
+          </a:xfrm>
+          <a:prstGeom prst="rect">
+            <a:avLst/>
+          </a:prstGeom>
+        </p:spPr>
+      </p:pic>
     </p:spTree>
     <p:extLst>
       <p:ext uri="{BB962C8B-B14F-4D97-AF65-F5344CB8AC3E}">
@@ -3697,6 +4069,93 @@
   <p:clrMapOvr>
     <a:masterClrMapping/>
   </p:clrMapOvr>
+  <p:timing>
+    <p:tnLst>
+      <p:par>
+        <p:cTn id="1" dur="indefinite" restart="never" nodeType="tmRoot">
+          <p:childTnLst>
+            <p:seq concurrent="1" nextAc="seek">
+              <p:cTn id="2" dur="indefinite" nodeType="mainSeq">
+                <p:childTnLst>
+                  <p:par>
+                    <p:cTn id="3" fill="hold">
+                      <p:stCondLst>
+                        <p:cond delay="indefinite"/>
+                        <p:cond evt="onBegin" delay="0">
+                          <p:tn val="2"/>
+                        </p:cond>
+                      </p:stCondLst>
+                      <p:childTnLst>
+                        <p:par>
+                          <p:cTn id="4" fill="hold">
+                            <p:stCondLst>
+                              <p:cond delay="0"/>
+                            </p:stCondLst>
+                            <p:childTnLst>
+                              <p:par>
+                                <p:cTn id="5" presetID="1" presetClass="mediacall" presetSubtype="0" fill="hold" nodeType="afterEffect">
+                                  <p:stCondLst>
+                                    <p:cond delay="0"/>
+                                  </p:stCondLst>
+                                  <p:childTnLst>
+                                    <p:cmd type="call" cmd="playFrom(0.0)">
+                                      <p:cBhvr>
+                                        <p:cTn id="6" dur="14680" fill="hold"/>
+                                        <p:tgtEl>
+                                          <p:spTgt spid="12"/>
+                                        </p:tgtEl>
+                                      </p:cBhvr>
+                                    </p:cmd>
+                                  </p:childTnLst>
+                                </p:cTn>
+                              </p:par>
+                            </p:childTnLst>
+                          </p:cTn>
+                        </p:par>
+                      </p:childTnLst>
+                    </p:cTn>
+                  </p:par>
+                </p:childTnLst>
+              </p:cTn>
+              <p:prevCondLst>
+                <p:cond evt="onPrev" delay="0">
+                  <p:tgtEl>
+                    <p:sldTgt/>
+                  </p:tgtEl>
+                </p:cond>
+              </p:prevCondLst>
+              <p:nextCondLst>
+                <p:cond evt="onNext" delay="0">
+                  <p:tgtEl>
+                    <p:sldTgt/>
+                  </p:tgtEl>
+                </p:cond>
+              </p:nextCondLst>
+            </p:seq>
+            <p:audio>
+              <p:cMediaNode vol="80000" showWhenStopped="0">
+                <p:cTn id="7" fill="hold" display="0">
+                  <p:stCondLst>
+                    <p:cond delay="indefinite"/>
+                  </p:stCondLst>
+                  <p:endCondLst>
+                    <p:cond evt="onStopAudio" delay="0">
+                      <p:tgtEl>
+                        <p:sldTgt/>
+                      </p:tgtEl>
+                    </p:cond>
+                  </p:endCondLst>
+                </p:cTn>
+                <p:tgtEl>
+                  <p:spTgt spid="12"/>
+                </p:tgtEl>
+              </p:cMediaNode>
+            </p:audio>
+          </p:childTnLst>
+        </p:cTn>
+      </p:par>
+    </p:tnLst>
+  </p:timing>
 </p:sld>
 </file>
 
@@ -3768,7 +4227,7 @@
           <p:nvPr/>
         </p:nvPicPr>
         <p:blipFill>
-          <a:blip r:embed="rId2"/>
+          <a:blip r:embed="rId4"/>
           <a:stretch>
             <a:fillRect/>
           </a:stretch>
@@ -3798,7 +4257,7 @@
           <p:nvPr/>
         </p:nvPicPr>
         <p:blipFill>
-          <a:blip r:embed="rId3"/>
+          <a:blip r:embed="rId5"/>
           <a:stretch>
             <a:fillRect/>
           </a:stretch>
@@ -3828,7 +4287,7 @@
           <p:nvPr/>
         </p:nvPicPr>
         <p:blipFill>
-          <a:blip r:embed="rId4"/>
+          <a:blip r:embed="rId6"/>
           <a:stretch>
             <a:fillRect/>
           </a:stretch>
@@ -3858,7 +4317,7 @@
         <p:spPr>
           <a:xfrm>
             <a:off x="623850" y="5299307"/>
-            <a:ext cx="2421336" cy="646331"/>
+            <a:ext cx="2421336" cy="923330"/>
           </a:xfrm>
           <a:prstGeom prst="rect">
             <a:avLst/>
@@ -3880,18 +4339,24 @@
               <a:t>Supraja </a:t>
             </a:r>
             <a:r>
-              <a:rPr lang="en-US" b="1" err="1"/>
+              <a:rPr lang="en-US" b="1" dirty="0" err="1"/>
               <a:t>Kodiganti</a:t>
             </a:r>
-            <a:endParaRPr lang="en-US"/>
+            <a:endParaRPr lang="en-US" dirty="0"/>
           </a:p>
           <a:p>
             <a:pPr algn="ctr"/>
             <a:r>
-              <a:rPr lang="en-US" b="1"/>
+              <a:rPr lang="en-US" b="1" dirty="0"/>
               <a:t>ML Engineer</a:t>
             </a:r>
-            <a:endParaRPr lang="en-US" b="1" dirty="0"/>
+          </a:p>
+          <a:p>
+            <a:pPr algn="ctr"/>
+            <a:r>
+              <a:rPr lang="en-US" b="1" dirty="0"/>
+              <a:t>Team Lead</a:t>
+            </a:r>
           </a:p>
         </p:txBody>
       </p:sp>
@@ -4006,7 +4471,7 @@
           <p:nvPr/>
         </p:nvPicPr>
         <p:blipFill>
-          <a:blip r:embed="rId5"/>
+          <a:blip r:embed="rId7"/>
           <a:stretch>
             <a:fillRect/>
           </a:stretch>
@@ -4071,6 +4536,44 @@
           </a:p>
         </p:txBody>
       </p:sp>
+      <p:pic>
+        <p:nvPicPr>
+          <p:cNvPr id="3" name="s3.mp3">
+            <a:hlinkClick r:id="" action="ppaction://media"/>
+            <a:extLst>
+              <a:ext uri="{FF2B5EF4-FFF2-40B4-BE49-F238E27FC236}">
+                <a16:creationId xmlns:a16="http://schemas.microsoft.com/office/drawing/2014/main" id="{9D048ACC-9528-33F1-13C7-CB0E9F852543}"/>
+              </a:ext>
+            </a:extLst>
+          </p:cNvPr>
+          <p:cNvPicPr>
+            <a:picLocks noChangeAspect="1"/>
+          </p:cNvPicPr>
+          <p:nvPr>
+            <a:audioFile r:link="rId2"/>
+            <p:extLst>
+              <p:ext uri="{DAA4B4D4-6D71-4841-9C94-3DE7FCFB9230}">
+                <p14:media xmlns:p14="http://schemas.microsoft.com/office/powerpoint/2010/main" r:embed="rId1"/>
+              </p:ext>
+            </p:extLst>
+          </p:nvPr>
+        </p:nvPicPr>
+        <p:blipFill>
+          <a:blip r:embed="rId8"/>
+          <a:stretch>
+            <a:fillRect/>
+          </a:stretch>
+        </p:blipFill>
+        <p:spPr>
+          <a:xfrm>
+            <a:off x="11379200" y="6045200"/>
+            <a:ext cx="812800" cy="812800"/>
+          </a:xfrm>
+          <a:prstGeom prst="rect">
+            <a:avLst/>
+          </a:prstGeom>
+        </p:spPr>
+      </p:pic>
     </p:spTree>
     <p:extLst>
       <p:ext uri="{BB962C8B-B14F-4D97-AF65-F5344CB8AC3E}">
@@ -4081,6 +4584,93 @@
   <p:clrMapOvr>
     <a:masterClrMapping/>
   </p:clrMapOvr>
+  <p:timing>
+    <p:tnLst>
+      <p:par>
+        <p:cTn id="1" dur="indefinite" restart="never" nodeType="tmRoot">
+          <p:childTnLst>
+            <p:seq concurrent="1" nextAc="seek">
+              <p:cTn id="2" dur="indefinite" nodeType="mainSeq">
+                <p:childTnLst>
+                  <p:par>
+                    <p:cTn id="3" fill="hold">
+                      <p:stCondLst>
+                        <p:cond delay="indefinite"/>
+                        <p:cond evt="onBegin" delay="0">
+                          <p:tn val="2"/>
+                        </p:cond>
+                      </p:stCondLst>
+                      <p:childTnLst>
+                        <p:par>
+                          <p:cTn id="4" fill="hold">
+                            <p:stCondLst>
+                              <p:cond delay="0"/>
+                            </p:stCondLst>
+                            <p:childTnLst>
+                              <p:par>
+                                <p:cTn id="5" presetID="1" presetClass="mediacall" presetSubtype="0" fill="hold" nodeType="afterEffect">
+                                  <p:stCondLst>
+                                    <p:cond delay="0"/>
+                                  </p:stCondLst>
+                                  <p:childTnLst>
+                                    <p:cmd type="call" cmd="playFrom(0.0)">
+                                      <p:cBhvr>
+                                        <p:cTn id="6" dur="13374" fill="hold"/>
+                                        <p:tgtEl>
+                                          <p:spTgt spid="3"/>
+                                        </p:tgtEl>
+                                      </p:cBhvr>
+                                    </p:cmd>
+                                  </p:childTnLst>
+                                </p:cTn>
+                              </p:par>
+                            </p:childTnLst>
+                          </p:cTn>
+                        </p:par>
+                      </p:childTnLst>
+                    </p:cTn>
+                  </p:par>
+                </p:childTnLst>
+              </p:cTn>
+              <p:prevCondLst>
+                <p:cond evt="onPrev" delay="0">
+                  <p:tgtEl>
+                    <p:sldTgt/>
+                  </p:tgtEl>
+                </p:cond>
+              </p:prevCondLst>
+              <p:nextCondLst>
+                <p:cond evt="onNext" delay="0">
+                  <p:tgtEl>
+                    <p:sldTgt/>
+                  </p:tgtEl>
+                </p:cond>
+              </p:nextCondLst>
+            </p:seq>
+            <p:audio>
+              <p:cMediaNode vol="80000" showWhenStopped="0">
+                <p:cTn id="7" fill="hold" display="0">
+                  <p:stCondLst>
+                    <p:cond delay="indefinite"/>
+                  </p:stCondLst>
+                  <p:endCondLst>
+                    <p:cond evt="onStopAudio" delay="0">
+                      <p:tgtEl>
+                        <p:sldTgt/>
+                      </p:tgtEl>
+                    </p:cond>
+                  </p:endCondLst>
+                </p:cTn>
+                <p:tgtEl>
+                  <p:spTgt spid="3"/>
+                </p:tgtEl>
+              </p:cMediaNode>
+            </p:audio>
+          </p:childTnLst>
+        </p:cTn>
+      </p:par>
+    </p:tnLst>
+  </p:timing>
 </p:sld>
 </file>
 
@@ -4152,9 +4742,6 @@
           </a:bodyPr>
           <a:lstStyle/>
           <a:p>
-            <a:pPr marL="0" indent="0">
-              <a:buNone/>
-            </a:pPr>
             <a:r>
               <a:rPr lang="en-US" sz="1800" b="1" dirty="0">
                 <a:solidFill>
@@ -4163,7 +4750,19 @@
                 <a:ea typeface="+mn-lt"/>
                 <a:cs typeface="+mn-lt"/>
               </a:rPr>
-              <a:t>Your customer is a food delivery service with locations in several cities. In these cities, they operate several fulfillment centers for delivering meal orders to clients. The client wants you to assist these facilities with demand forecasts for the following weeks so that they may organize their raw material supply properly. Most raw materials are replenished on a weekly basis, and because the raw materials are perishable, procurement planning is critical. Second, precise demand estimates are beneficial in the staffing of the centers.</a:t>
+              <a:t>Food companies that have several fulfilment centers/branches spread across different locations nationally are often faced with the problem of planning the right/optimal stock/inventory of ingredients and food raw materials to prepare the optimal amount of food at these food fulfilment centers.</a:t>
+            </a:r>
+          </a:p>
+          <a:p>
+            <a:r>
+              <a:rPr lang="en-US" sz="1800" b="1" dirty="0">
+                <a:solidFill>
+                  <a:srgbClr val="1F2328"/>
+                </a:solidFill>
+                <a:ea typeface="+mn-lt"/>
+                <a:cs typeface="+mn-lt"/>
+              </a:rPr>
+              <a:t>We address this problem by implementing an ML solution to forecast the demand for food on a weekly basis where these fulfilment centers are located.</a:t>
             </a:r>
             <a:endParaRPr lang="en-US" b="1" dirty="0">
               <a:ea typeface="+mn-lt"/>
@@ -4172,6 +4771,44 @@
           </a:p>
         </p:txBody>
       </p:sp>
+      <p:pic>
+        <p:nvPicPr>
+          <p:cNvPr id="4" name="s4.mp3">
+            <a:hlinkClick r:id="" action="ppaction://media"/>
+            <a:extLst>
+              <a:ext uri="{FF2B5EF4-FFF2-40B4-BE49-F238E27FC236}">
+                <a16:creationId xmlns:a16="http://schemas.microsoft.com/office/drawing/2014/main" id="{08D8CB7C-8F02-9582-4119-F03F7DDC9664}"/>
+              </a:ext>
+            </a:extLst>
+          </p:cNvPr>
+          <p:cNvPicPr>
+            <a:picLocks noChangeAspect="1"/>
+          </p:cNvPicPr>
+          <p:nvPr>
+            <a:audioFile r:link="rId2"/>
+            <p:extLst>
+              <p:ext uri="{DAA4B4D4-6D71-4841-9C94-3DE7FCFB9230}">
+                <p14:media xmlns:p14="http://schemas.microsoft.com/office/powerpoint/2010/main" r:embed="rId1"/>
+              </p:ext>
+            </p:extLst>
+          </p:nvPr>
+        </p:nvPicPr>
+        <p:blipFill>
+          <a:blip r:embed="rId4"/>
+          <a:stretch>
+            <a:fillRect/>
+          </a:stretch>
+        </p:blipFill>
+        <p:spPr>
+          <a:xfrm>
+            <a:off x="11379200" y="6045200"/>
+            <a:ext cx="812800" cy="812800"/>
+          </a:xfrm>
+          <a:prstGeom prst="rect">
+            <a:avLst/>
+          </a:prstGeom>
+        </p:spPr>
+      </p:pic>
     </p:spTree>
     <p:extLst>
       <p:ext uri="{BB962C8B-B14F-4D97-AF65-F5344CB8AC3E}">
@@ -4182,6 +4819,93 @@
   <p:clrMapOvr>
     <a:masterClrMapping/>
   </p:clrMapOvr>
+  <p:timing>
+    <p:tnLst>
+      <p:par>
+        <p:cTn id="1" dur="indefinite" restart="never" nodeType="tmRoot">
+          <p:childTnLst>
+            <p:seq concurrent="1" nextAc="seek">
+              <p:cTn id="2" dur="indefinite" nodeType="mainSeq">
+                <p:childTnLst>
+                  <p:par>
+                    <p:cTn id="3" fill="hold">
+                      <p:stCondLst>
+                        <p:cond delay="indefinite"/>
+                        <p:cond evt="onBegin" delay="0">
+                          <p:tn val="2"/>
+                        </p:cond>
+                      </p:stCondLst>
+                      <p:childTnLst>
+                        <p:par>
+                          <p:cTn id="4" fill="hold">
+                            <p:stCondLst>
+                              <p:cond delay="0"/>
+                            </p:stCondLst>
+                            <p:childTnLst>
+                              <p:par>
+                                <p:cTn id="5" presetID="1" presetClass="mediacall" presetSubtype="0" fill="hold" nodeType="afterEffect">
+                                  <p:stCondLst>
+                                    <p:cond delay="0"/>
+                                  </p:stCondLst>
+                                  <p:childTnLst>
+                                    <p:cmd type="call" cmd="playFrom(0.0)">
+                                      <p:cBhvr>
+                                        <p:cTn id="6" dur="17449" fill="hold"/>
+                                        <p:tgtEl>
+                                          <p:spTgt spid="4"/>
+                                        </p:tgtEl>
+                                      </p:cBhvr>
+                                    </p:cmd>
+                                  </p:childTnLst>
+                                </p:cTn>
+                              </p:par>
+                            </p:childTnLst>
+                          </p:cTn>
+                        </p:par>
+                      </p:childTnLst>
+                    </p:cTn>
+                  </p:par>
+                </p:childTnLst>
+              </p:cTn>
+              <p:prevCondLst>
+                <p:cond evt="onPrev" delay="0">
+                  <p:tgtEl>
+                    <p:sldTgt/>
+                  </p:tgtEl>
+                </p:cond>
+              </p:prevCondLst>
+              <p:nextCondLst>
+                <p:cond evt="onNext" delay="0">
+                  <p:tgtEl>
+                    <p:sldTgt/>
+                  </p:tgtEl>
+                </p:cond>
+              </p:nextCondLst>
+            </p:seq>
+            <p:audio>
+              <p:cMediaNode vol="80000" showWhenStopped="0">
+                <p:cTn id="7" fill="hold" display="0">
+                  <p:stCondLst>
+                    <p:cond delay="indefinite"/>
+                  </p:stCondLst>
+                  <p:endCondLst>
+                    <p:cond evt="onStopAudio" delay="0">
+                      <p:tgtEl>
+                        <p:sldTgt/>
+                      </p:tgtEl>
+                    </p:cond>
+                  </p:endCondLst>
+                </p:cTn>
+                <p:tgtEl>
+                  <p:spTgt spid="4"/>
+                </p:tgtEl>
+              </p:cMediaNode>
+            </p:audio>
+          </p:childTnLst>
+        </p:cTn>
+      </p:par>
+    </p:tnLst>
+  </p:timing>
 </p:sld>
 </file>
 
@@ -4259,7 +4983,7 @@
         </p:spPr>
         <p:txBody>
           <a:bodyPr vert="horz" lIns="91440" tIns="45720" rIns="91440" bIns="45720" rtlCol="0" anchor="t">
-            <a:normAutofit/>
+            <a:normAutofit lnSpcReduction="10000"/>
           </a:bodyPr>
           <a:lstStyle/>
           <a:p>
@@ -4290,7 +5014,7 @@
                 <a:ea typeface="+mn-lt"/>
                 <a:cs typeface="+mn-lt"/>
               </a:rPr>
-              <a:t>A food delivery service must deal with a lot of perishable raw materials which makes it more important for such a company to accurately forecast daily and weekly demand.</a:t>
+              <a:t>A food service company/restaurant must deal with a lot of perishable raw materials which makes it more important for such a company to accurately forecast daily and weekly demand.</a:t>
             </a:r>
             <a:endParaRPr lang="en-US" b="1" dirty="0">
               <a:latin typeface="Grandview Display"/>
@@ -4305,7 +5029,7 @@
                 <a:ea typeface="+mn-lt"/>
                 <a:cs typeface="+mn-lt"/>
               </a:rPr>
-              <a:t>Too much inventory in the warehouse means more risk of wastage, and not enough could lead to out-of-stocks - and push customers to seek solutions from your competitors.</a:t>
+              <a:t>Too much inventory in the warehouse means more risk of wastage, and not enough could lead to insufficient resources and push customers to seek solutions from your competitors.</a:t>
             </a:r>
             <a:endParaRPr lang="en-US" b="1" dirty="0"/>
           </a:p>
@@ -4318,6 +5042,44 @@
           </a:p>
         </p:txBody>
       </p:sp>
+      <p:pic>
+        <p:nvPicPr>
+          <p:cNvPr id="5" name="s5.mp3">
+            <a:hlinkClick r:id="" action="ppaction://media"/>
+            <a:extLst>
+              <a:ext uri="{FF2B5EF4-FFF2-40B4-BE49-F238E27FC236}">
+                <a16:creationId xmlns:a16="http://schemas.microsoft.com/office/drawing/2014/main" id="{79384FEE-D418-5F3D-C003-9D072479A408}"/>
+              </a:ext>
+            </a:extLst>
+          </p:cNvPr>
+          <p:cNvPicPr>
+            <a:picLocks noChangeAspect="1"/>
+          </p:cNvPicPr>
+          <p:nvPr>
+            <a:audioFile r:link="rId2"/>
+            <p:extLst>
+              <p:ext uri="{DAA4B4D4-6D71-4841-9C94-3DE7FCFB9230}">
+                <p14:media xmlns:p14="http://schemas.microsoft.com/office/powerpoint/2010/main" r:embed="rId1"/>
+              </p:ext>
+            </p:extLst>
+          </p:nvPr>
+        </p:nvPicPr>
+        <p:blipFill>
+          <a:blip r:embed="rId4"/>
+          <a:stretch>
+            <a:fillRect/>
+          </a:stretch>
+        </p:blipFill>
+        <p:spPr>
+          <a:xfrm>
+            <a:off x="11333698" y="6045200"/>
+            <a:ext cx="812800" cy="812800"/>
+          </a:xfrm>
+          <a:prstGeom prst="rect">
+            <a:avLst/>
+          </a:prstGeom>
+        </p:spPr>
+      </p:pic>
     </p:spTree>
     <p:extLst>
       <p:ext uri="{BB962C8B-B14F-4D97-AF65-F5344CB8AC3E}">
@@ -4328,284 +5090,97 @@
   <p:clrMapOvr>
     <a:masterClrMapping/>
   </p:clrMapOvr>
+  <p:timing>
+    <p:tnLst>
+      <p:par>
+        <p:cTn id="1" dur="indefinite" restart="never" nodeType="tmRoot">
+          <p:childTnLst>
+            <p:seq concurrent="1" nextAc="seek">
+              <p:cTn id="2" dur="indefinite" nodeType="mainSeq">
+                <p:childTnLst>
+                  <p:par>
+                    <p:cTn id="3" fill="hold">
+                      <p:stCondLst>
+                        <p:cond delay="indefinite"/>
+                        <p:cond evt="onBegin" delay="0">
+                          <p:tn val="2"/>
+                        </p:cond>
+                      </p:stCondLst>
+                      <p:childTnLst>
+                        <p:par>
+                          <p:cTn id="4" fill="hold">
+                            <p:stCondLst>
+                              <p:cond delay="0"/>
+                            </p:stCondLst>
+                            <p:childTnLst>
+                              <p:par>
+                                <p:cTn id="5" presetID="1" presetClass="mediacall" presetSubtype="0" fill="hold" nodeType="afterEffect">
+                                  <p:stCondLst>
+                                    <p:cond delay="0"/>
+                                  </p:stCondLst>
+                                  <p:childTnLst>
+                                    <p:cmd type="call" cmd="playFrom(0.0)">
+                                      <p:cBhvr>
+                                        <p:cTn id="6" dur="18050" fill="hold"/>
+                                        <p:tgtEl>
+                                          <p:spTgt spid="5"/>
+                                        </p:tgtEl>
+                                      </p:cBhvr>
+                                    </p:cmd>
+                                  </p:childTnLst>
+                                </p:cTn>
+                              </p:par>
+                            </p:childTnLst>
+                          </p:cTn>
+                        </p:par>
+                      </p:childTnLst>
+                    </p:cTn>
+                  </p:par>
+                </p:childTnLst>
+              </p:cTn>
+              <p:prevCondLst>
+                <p:cond evt="onPrev" delay="0">
+                  <p:tgtEl>
+                    <p:sldTgt/>
+                  </p:tgtEl>
+                </p:cond>
+              </p:prevCondLst>
+              <p:nextCondLst>
+                <p:cond evt="onNext" delay="0">
+                  <p:tgtEl>
+                    <p:sldTgt/>
+                  </p:tgtEl>
+                </p:cond>
+              </p:nextCondLst>
+            </p:seq>
+            <p:audio>
+              <p:cMediaNode vol="80000" showWhenStopped="0">
+                <p:cTn id="7" fill="hold" display="0">
+                  <p:stCondLst>
+                    <p:cond delay="indefinite"/>
+                  </p:stCondLst>
+                  <p:endCondLst>
+                    <p:cond evt="onStopAudio" delay="0">
+                      <p:tgtEl>
+                        <p:sldTgt/>
+                      </p:tgtEl>
+                    </p:cond>
+                  </p:endCondLst>
+                </p:cTn>
+                <p:tgtEl>
+                  <p:spTgt spid="5"/>
+                </p:tgtEl>
+              </p:cMediaNode>
+            </p:audio>
+          </p:childTnLst>
+        </p:cTn>
+      </p:par>
+    </p:tnLst>
+  </p:timing>
 </p:sld>
 </file>
 
 <file path=ppt/slides/slide6.xml><?xml version="1.0" encoding="utf-8"?>
-<p:sld xmlns:a="http://schemas.openxmlformats.org/drawingml/2006/main" xmlns:r="http://schemas.openxmlformats.org/officeDocument/2006/relationships" xmlns:p="http://schemas.openxmlformats.org/presentationml/2006/main">
-  <p:cSld>
-    <p:spTree>
-      <p:nvGrpSpPr>
-        <p:cNvPr id="1" name=""/>
-        <p:cNvGrpSpPr/>
-        <p:nvPr/>
-      </p:nvGrpSpPr>
-      <p:grpSpPr>
-        <a:xfrm>
-          <a:off x="0" y="0"/>
-          <a:ext cx="0" cy="0"/>
-          <a:chOff x="0" y="0"/>
-          <a:chExt cx="0" cy="0"/>
-        </a:xfrm>
-      </p:grpSpPr>
-      <p:sp>
-        <p:nvSpPr>
-          <p:cNvPr id="2" name="Title 1">
-            <a:extLst>
-              <a:ext uri="{FF2B5EF4-FFF2-40B4-BE49-F238E27FC236}">
-                <a16:creationId xmlns:a16="http://schemas.microsoft.com/office/drawing/2014/main" id="{89C7C937-0F9A-CD64-F5ED-D09E01B3EEC5}"/>
-              </a:ext>
-            </a:extLst>
-          </p:cNvPr>
-          <p:cNvSpPr>
-            <a:spLocks noGrp="1"/>
-          </p:cNvSpPr>
-          <p:nvPr>
-            <p:ph type="title"/>
-          </p:nvPr>
-        </p:nvSpPr>
-        <p:spPr/>
-        <p:txBody>
-          <a:bodyPr/>
-          <a:lstStyle/>
-          <a:p>
-            <a:r>
-              <a:rPr lang="en-US" dirty="0"/>
-              <a:t>Data Understanding</a:t>
-            </a:r>
-          </a:p>
-        </p:txBody>
-      </p:sp>
-      <p:sp>
-        <p:nvSpPr>
-          <p:cNvPr id="6" name="Content Placeholder 5">
-            <a:extLst>
-              <a:ext uri="{FF2B5EF4-FFF2-40B4-BE49-F238E27FC236}">
-                <a16:creationId xmlns:a16="http://schemas.microsoft.com/office/drawing/2014/main" id="{3CBF2692-4426-4F32-3A1E-5381EE34A3B6}"/>
-              </a:ext>
-            </a:extLst>
-          </p:cNvPr>
-          <p:cNvSpPr>
-            <a:spLocks noGrp="1"/>
-          </p:cNvSpPr>
-          <p:nvPr>
-            <p:ph idx="1"/>
-          </p:nvPr>
-        </p:nvSpPr>
-        <p:spPr>
-          <a:xfrm>
-            <a:off x="914399" y="2559171"/>
-            <a:ext cx="4942936" cy="3382658"/>
-          </a:xfrm>
-        </p:spPr>
-        <p:txBody>
-          <a:bodyPr vert="horz" lIns="91440" tIns="45720" rIns="91440" bIns="45720" rtlCol="0" anchor="t">
-            <a:normAutofit/>
-          </a:bodyPr>
-          <a:lstStyle/>
-          <a:p>
-            <a:r>
-              <a:rPr lang="en-US" b="1" dirty="0"/>
-              <a:t>The data comprises of a historical  weekly data of orders from fulfilment centers that we can use to forecast demand</a:t>
-            </a:r>
-          </a:p>
-          <a:p>
-            <a:r>
-              <a:rPr lang="en-US" b="1" dirty="0"/>
-              <a:t>Three relational tables; weekly demand data</a:t>
-            </a:r>
-            <a:r>
-              <a:rPr lang="en-US" b="1"/>
-              <a:t>, fulfillment</a:t>
-            </a:r>
-            <a:r>
-              <a:rPr lang="en-US" b="1" dirty="0"/>
-              <a:t>_center_info.csv, </a:t>
-            </a:r>
-            <a:r>
-              <a:rPr lang="en-US" b="1" dirty="0" err="1"/>
-              <a:t>meal_info.csv</a:t>
-            </a:r>
-            <a:r>
-              <a:rPr lang="en-US" b="1" dirty="0"/>
-              <a:t>. </a:t>
-            </a:r>
-          </a:p>
-        </p:txBody>
-      </p:sp>
-      <p:pic>
-        <p:nvPicPr>
-          <p:cNvPr id="7" name="Picture 6" descr="A screenshot of a computer&#10;&#10;Description automatically generated">
-            <a:extLst>
-              <a:ext uri="{FF2B5EF4-FFF2-40B4-BE49-F238E27FC236}">
-                <a16:creationId xmlns:a16="http://schemas.microsoft.com/office/drawing/2014/main" id="{8813606B-366A-1C98-9AF7-D3737B393748}"/>
-              </a:ext>
-            </a:extLst>
-          </p:cNvPr>
-          <p:cNvPicPr>
-            <a:picLocks noChangeAspect="1"/>
-          </p:cNvPicPr>
-          <p:nvPr/>
-        </p:nvPicPr>
-        <p:blipFill>
-          <a:blip r:embed="rId2"/>
-          <a:stretch>
-            <a:fillRect/>
-          </a:stretch>
-        </p:blipFill>
-        <p:spPr>
-          <a:xfrm>
-            <a:off x="6092459" y="1500996"/>
-            <a:ext cx="5643007" cy="4431101"/>
-          </a:xfrm>
-          <a:prstGeom prst="rect">
-            <a:avLst/>
-          </a:prstGeom>
-        </p:spPr>
-      </p:pic>
-    </p:spTree>
-    <p:extLst>
-      <p:ext uri="{BB962C8B-B14F-4D97-AF65-F5344CB8AC3E}">
-        <p14:creationId xmlns:p14="http://schemas.microsoft.com/office/powerpoint/2010/main" val="929483065"/>
-      </p:ext>
-    </p:extLst>
-  </p:cSld>
-  <p:clrMapOvr>
-    <a:masterClrMapping/>
-  </p:clrMapOvr>
-</p:sld>
-</file>
-
-<file path=ppt/slides/slide7.xml><?xml version="1.0" encoding="utf-8"?>
-<p:sld xmlns:a="http://schemas.openxmlformats.org/drawingml/2006/main" xmlns:r="http://schemas.openxmlformats.org/officeDocument/2006/relationships" xmlns:p="http://schemas.openxmlformats.org/presentationml/2006/main">
-  <p:cSld>
-    <p:spTree>
-      <p:nvGrpSpPr>
-        <p:cNvPr id="1" name=""/>
-        <p:cNvGrpSpPr/>
-        <p:nvPr/>
-      </p:nvGrpSpPr>
-      <p:grpSpPr>
-        <a:xfrm>
-          <a:off x="0" y="0"/>
-          <a:ext cx="0" cy="0"/>
-          <a:chOff x="0" y="0"/>
-          <a:chExt cx="0" cy="0"/>
-        </a:xfrm>
-      </p:grpSpPr>
-      <p:sp>
-        <p:nvSpPr>
-          <p:cNvPr id="2" name="Title 1">
-            <a:extLst>
-              <a:ext uri="{FF2B5EF4-FFF2-40B4-BE49-F238E27FC236}">
-                <a16:creationId xmlns:a16="http://schemas.microsoft.com/office/drawing/2014/main" id="{3514971F-CD4C-9FE8-95FC-DA1E7D745204}"/>
-              </a:ext>
-            </a:extLst>
-          </p:cNvPr>
-          <p:cNvSpPr>
-            <a:spLocks noGrp="1"/>
-          </p:cNvSpPr>
-          <p:nvPr>
-            <p:ph type="title"/>
-          </p:nvPr>
-        </p:nvSpPr>
-        <p:spPr/>
-        <p:txBody>
-          <a:bodyPr/>
-          <a:lstStyle/>
-          <a:p>
-            <a:r>
-              <a:rPr lang="en-US" dirty="0"/>
-              <a:t>Data Preparation</a:t>
-            </a:r>
-          </a:p>
-        </p:txBody>
-      </p:sp>
-      <p:sp>
-        <p:nvSpPr>
-          <p:cNvPr id="3" name="Content Placeholder 2">
-            <a:extLst>
-              <a:ext uri="{FF2B5EF4-FFF2-40B4-BE49-F238E27FC236}">
-                <a16:creationId xmlns:a16="http://schemas.microsoft.com/office/drawing/2014/main" id="{A3AD1A87-1255-B937-72AA-B8C34FC2720F}"/>
-              </a:ext>
-            </a:extLst>
-          </p:cNvPr>
-          <p:cNvSpPr>
-            <a:spLocks noGrp="1"/>
-          </p:cNvSpPr>
-          <p:nvPr>
-            <p:ph idx="1"/>
-          </p:nvPr>
-        </p:nvSpPr>
-        <p:spPr/>
-        <p:txBody>
-          <a:bodyPr vert="horz" lIns="91440" tIns="45720" rIns="91440" bIns="45720" rtlCol="0" anchor="t">
-            <a:normAutofit/>
-          </a:bodyPr>
-          <a:lstStyle/>
-          <a:p>
-            <a:r>
-              <a:rPr lang="en-US" b="1" dirty="0"/>
-              <a:t>Transform data and build a data pipeline.</a:t>
-            </a:r>
-          </a:p>
-          <a:p>
-            <a:r>
-              <a:rPr lang="en-US" b="1" dirty="0"/>
-              <a:t>Load into a data store</a:t>
-            </a:r>
-          </a:p>
-          <a:p>
-            <a:r>
-              <a:rPr lang="en-US" b="1" dirty="0"/>
-              <a:t>Ingest the data into our analytical and model training environment.</a:t>
-            </a:r>
-          </a:p>
-          <a:p>
-            <a:r>
-              <a:rPr lang="en-US" b="1" dirty="0"/>
-              <a:t>Cleaning the data to remove any dirty data</a:t>
-            </a:r>
-          </a:p>
-          <a:p>
-            <a:r>
-              <a:rPr lang="en-US" b="1" dirty="0"/>
-              <a:t>Exploratory Data Analysis.</a:t>
-            </a:r>
-          </a:p>
-          <a:p>
-            <a:pPr lvl="1"/>
-            <a:r>
-              <a:rPr lang="en-US" b="1" dirty="0"/>
-              <a:t>Describe data</a:t>
-            </a:r>
-          </a:p>
-          <a:p>
-            <a:pPr lvl="1"/>
-            <a:r>
-              <a:rPr lang="en-US" b="1" dirty="0"/>
-              <a:t>Feature selection and engineering</a:t>
-            </a:r>
-          </a:p>
-          <a:p>
-            <a:endParaRPr lang="en-US" b="1" dirty="0"/>
-          </a:p>
-        </p:txBody>
-      </p:sp>
-    </p:spTree>
-    <p:extLst>
-      <p:ext uri="{BB962C8B-B14F-4D97-AF65-F5344CB8AC3E}">
-        <p14:creationId xmlns:p14="http://schemas.microsoft.com/office/powerpoint/2010/main" val="3781295737"/>
-      </p:ext>
-    </p:extLst>
-  </p:cSld>
-  <p:clrMapOvr>
-    <a:masterClrMapping/>
-  </p:clrMapOvr>
-</p:sld>
-</file>
-
-<file path=ppt/slides/slide8.xml><?xml version="1.0" encoding="utf-8"?>
 <p:sld xmlns:a="http://schemas.openxmlformats.org/drawingml/2006/main" xmlns:r="http://schemas.openxmlformats.org/officeDocument/2006/relationships" xmlns:p="http://schemas.openxmlformats.org/presentationml/2006/main">
   <p:cSld>
     <p:spTree>
@@ -4944,7 +5519,7 @@
           <p:nvPr/>
         </p:nvPicPr>
         <p:blipFill>
-          <a:blip r:embed="rId2"/>
+          <a:blip r:embed="rId4"/>
           <a:stretch>
             <a:fillRect/>
           </a:stretch>
@@ -4960,6 +5535,44 @@
           <a:noFill/>
         </p:spPr>
       </p:pic>
+      <p:pic>
+        <p:nvPicPr>
+          <p:cNvPr id="2" name="s6.mp3">
+            <a:hlinkClick r:id="" action="ppaction://media"/>
+            <a:extLst>
+              <a:ext uri="{FF2B5EF4-FFF2-40B4-BE49-F238E27FC236}">
+                <a16:creationId xmlns:a16="http://schemas.microsoft.com/office/drawing/2014/main" id="{7D62F515-609F-113C-AEB3-878AA8B4AD9B}"/>
+              </a:ext>
+            </a:extLst>
+          </p:cNvPr>
+          <p:cNvPicPr>
+            <a:picLocks noChangeAspect="1"/>
+          </p:cNvPicPr>
+          <p:nvPr>
+            <a:audioFile r:link="rId2"/>
+            <p:extLst>
+              <p:ext uri="{DAA4B4D4-6D71-4841-9C94-3DE7FCFB9230}">
+                <p14:media xmlns:p14="http://schemas.microsoft.com/office/powerpoint/2010/main" r:embed="rId1"/>
+              </p:ext>
+            </p:extLst>
+          </p:nvPr>
+        </p:nvPicPr>
+        <p:blipFill>
+          <a:blip r:embed="rId5"/>
+          <a:stretch>
+            <a:fillRect/>
+          </a:stretch>
+        </p:blipFill>
+        <p:spPr>
+          <a:xfrm>
+            <a:off x="11316246" y="6045200"/>
+            <a:ext cx="812800" cy="812800"/>
+          </a:xfrm>
+          <a:prstGeom prst="rect">
+            <a:avLst/>
+          </a:prstGeom>
+        </p:spPr>
+      </p:pic>
     </p:spTree>
     <p:extLst>
       <p:ext uri="{BB962C8B-B14F-4D97-AF65-F5344CB8AC3E}">
@@ -4970,6 +5583,723 @@
   <p:clrMapOvr>
     <a:masterClrMapping/>
   </p:clrMapOvr>
+  <p:timing>
+    <p:tnLst>
+      <p:par>
+        <p:cTn id="1" dur="indefinite" restart="never" nodeType="tmRoot">
+          <p:childTnLst>
+            <p:seq concurrent="1" nextAc="seek">
+              <p:cTn id="2" dur="indefinite" nodeType="mainSeq">
+                <p:childTnLst>
+                  <p:par>
+                    <p:cTn id="3" fill="hold">
+                      <p:stCondLst>
+                        <p:cond delay="indefinite"/>
+                        <p:cond evt="onBegin" delay="0">
+                          <p:tn val="2"/>
+                        </p:cond>
+                      </p:stCondLst>
+                      <p:childTnLst>
+                        <p:par>
+                          <p:cTn id="4" fill="hold">
+                            <p:stCondLst>
+                              <p:cond delay="0"/>
+                            </p:stCondLst>
+                            <p:childTnLst>
+                              <p:par>
+                                <p:cTn id="5" presetID="1" presetClass="mediacall" presetSubtype="0" fill="hold" nodeType="afterEffect">
+                                  <p:stCondLst>
+                                    <p:cond delay="0"/>
+                                  </p:stCondLst>
+                                  <p:childTnLst>
+                                    <p:cmd type="call" cmd="playFrom(0.0)">
+                                      <p:cBhvr>
+                                        <p:cTn id="6" dur="38870" fill="hold"/>
+                                        <p:tgtEl>
+                                          <p:spTgt spid="2"/>
+                                        </p:tgtEl>
+                                      </p:cBhvr>
+                                    </p:cmd>
+                                  </p:childTnLst>
+                                </p:cTn>
+                              </p:par>
+                            </p:childTnLst>
+                          </p:cTn>
+                        </p:par>
+                      </p:childTnLst>
+                    </p:cTn>
+                  </p:par>
+                </p:childTnLst>
+              </p:cTn>
+              <p:prevCondLst>
+                <p:cond evt="onPrev" delay="0">
+                  <p:tgtEl>
+                    <p:sldTgt/>
+                  </p:tgtEl>
+                </p:cond>
+              </p:prevCondLst>
+              <p:nextCondLst>
+                <p:cond evt="onNext" delay="0">
+                  <p:tgtEl>
+                    <p:sldTgt/>
+                  </p:tgtEl>
+                </p:cond>
+              </p:nextCondLst>
+            </p:seq>
+            <p:audio>
+              <p:cMediaNode vol="80000" showWhenStopped="0">
+                <p:cTn id="7" fill="hold" display="0">
+                  <p:stCondLst>
+                    <p:cond delay="indefinite"/>
+                  </p:stCondLst>
+                  <p:endCondLst>
+                    <p:cond evt="onStopAudio" delay="0">
+                      <p:tgtEl>
+                        <p:sldTgt/>
+                      </p:tgtEl>
+                    </p:cond>
+                  </p:endCondLst>
+                </p:cTn>
+                <p:tgtEl>
+                  <p:spTgt spid="2"/>
+                </p:tgtEl>
+              </p:cMediaNode>
+            </p:audio>
+          </p:childTnLst>
+        </p:cTn>
+      </p:par>
+    </p:tnLst>
+  </p:timing>
+</p:sld>
+</file>
+
+<file path=ppt/slides/slide7.xml><?xml version="1.0" encoding="utf-8"?>
+<p:sld xmlns:a="http://schemas.openxmlformats.org/drawingml/2006/main" xmlns:r="http://schemas.openxmlformats.org/officeDocument/2006/relationships" xmlns:p="http://schemas.openxmlformats.org/presentationml/2006/main">
+  <p:cSld>
+    <p:spTree>
+      <p:nvGrpSpPr>
+        <p:cNvPr id="1" name=""/>
+        <p:cNvGrpSpPr/>
+        <p:nvPr/>
+      </p:nvGrpSpPr>
+      <p:grpSpPr>
+        <a:xfrm>
+          <a:off x="0" y="0"/>
+          <a:ext cx="0" cy="0"/>
+          <a:chOff x="0" y="0"/>
+          <a:chExt cx="0" cy="0"/>
+        </a:xfrm>
+      </p:grpSpPr>
+      <p:sp>
+        <p:nvSpPr>
+          <p:cNvPr id="2" name="Title 1">
+            <a:extLst>
+              <a:ext uri="{FF2B5EF4-FFF2-40B4-BE49-F238E27FC236}">
+                <a16:creationId xmlns:a16="http://schemas.microsoft.com/office/drawing/2014/main" id="{89C7C937-0F9A-CD64-F5ED-D09E01B3EEC5}"/>
+              </a:ext>
+            </a:extLst>
+          </p:cNvPr>
+          <p:cNvSpPr>
+            <a:spLocks noGrp="1"/>
+          </p:cNvSpPr>
+          <p:nvPr>
+            <p:ph type="title"/>
+          </p:nvPr>
+        </p:nvSpPr>
+        <p:spPr/>
+        <p:txBody>
+          <a:bodyPr/>
+          <a:lstStyle/>
+          <a:p>
+            <a:r>
+              <a:rPr lang="en-US" dirty="0"/>
+              <a:t>Data Understanding</a:t>
+            </a:r>
+          </a:p>
+        </p:txBody>
+      </p:sp>
+      <p:sp>
+        <p:nvSpPr>
+          <p:cNvPr id="6" name="Content Placeholder 5">
+            <a:extLst>
+              <a:ext uri="{FF2B5EF4-FFF2-40B4-BE49-F238E27FC236}">
+                <a16:creationId xmlns:a16="http://schemas.microsoft.com/office/drawing/2014/main" id="{3CBF2692-4426-4F32-3A1E-5381EE34A3B6}"/>
+              </a:ext>
+            </a:extLst>
+          </p:cNvPr>
+          <p:cNvSpPr>
+            <a:spLocks noGrp="1"/>
+          </p:cNvSpPr>
+          <p:nvPr>
+            <p:ph idx="1"/>
+          </p:nvPr>
+        </p:nvSpPr>
+        <p:spPr>
+          <a:xfrm>
+            <a:off x="914399" y="2559171"/>
+            <a:ext cx="4942936" cy="3382658"/>
+          </a:xfrm>
+        </p:spPr>
+        <p:txBody>
+          <a:bodyPr vert="horz" lIns="91440" tIns="45720" rIns="91440" bIns="45720" rtlCol="0" anchor="t">
+            <a:normAutofit/>
+          </a:bodyPr>
+          <a:lstStyle/>
+          <a:p>
+            <a:r>
+              <a:rPr lang="en-US" b="1" dirty="0"/>
+              <a:t>The data comprises of a historical  weekly data of orders from fulfilment centers that we can use to forecast demand</a:t>
+            </a:r>
+          </a:p>
+          <a:p>
+            <a:r>
+              <a:rPr lang="en-US" b="1" dirty="0"/>
+              <a:t>Three relational tables; weekly demand data, </a:t>
+            </a:r>
+            <a:r>
+              <a:rPr lang="en-US" b="1" dirty="0" err="1"/>
+              <a:t>fulfillment_center_info.csv</a:t>
+            </a:r>
+            <a:r>
+              <a:rPr lang="en-US" b="1" dirty="0"/>
+              <a:t>, </a:t>
+            </a:r>
+            <a:r>
+              <a:rPr lang="en-US" b="1" dirty="0" err="1"/>
+              <a:t>meal_info.csv</a:t>
+            </a:r>
+            <a:r>
+              <a:rPr lang="en-US" b="1" dirty="0"/>
+              <a:t>. </a:t>
+            </a:r>
+          </a:p>
+        </p:txBody>
+      </p:sp>
+      <p:pic>
+        <p:nvPicPr>
+          <p:cNvPr id="4" name="Picture 3" descr="A menu of a meal&#10;&#10;Description automatically generated">
+            <a:extLst>
+              <a:ext uri="{FF2B5EF4-FFF2-40B4-BE49-F238E27FC236}">
+                <a16:creationId xmlns:a16="http://schemas.microsoft.com/office/drawing/2014/main" id="{5E04F6C1-5778-FA07-EA7B-B7865AE7EF12}"/>
+              </a:ext>
+            </a:extLst>
+          </p:cNvPr>
+          <p:cNvPicPr>
+            <a:picLocks noChangeAspect="1"/>
+          </p:cNvPicPr>
+          <p:nvPr/>
+        </p:nvPicPr>
+        <p:blipFill>
+          <a:blip r:embed="rId4">
+            <a:extLst>
+              <a:ext uri="{28A0092B-C50C-407E-A947-70E740481C1C}">
+                <a14:useLocalDpi xmlns:a14="http://schemas.microsoft.com/office/drawing/2010/main" val="0"/>
+              </a:ext>
+            </a:extLst>
+          </a:blip>
+          <a:stretch>
+            <a:fillRect/>
+          </a:stretch>
+        </p:blipFill>
+        <p:spPr>
+          <a:xfrm>
+            <a:off x="6486906" y="4739975"/>
+            <a:ext cx="4367530" cy="1640840"/>
+          </a:xfrm>
+          <a:prstGeom prst="rect">
+            <a:avLst/>
+          </a:prstGeom>
+        </p:spPr>
+      </p:pic>
+      <p:pic>
+        <p:nvPicPr>
+          <p:cNvPr id="8" name="Picture 7" descr="A list of items with text&#10;&#10;Description automatically generated with medium confidence">
+            <a:extLst>
+              <a:ext uri="{FF2B5EF4-FFF2-40B4-BE49-F238E27FC236}">
+                <a16:creationId xmlns:a16="http://schemas.microsoft.com/office/drawing/2014/main" id="{C6DE72DA-7CFE-675F-98CB-1536C9E5ADEC}"/>
+              </a:ext>
+            </a:extLst>
+          </p:cNvPr>
+          <p:cNvPicPr>
+            <a:picLocks noChangeAspect="1"/>
+          </p:cNvPicPr>
+          <p:nvPr/>
+        </p:nvPicPr>
+        <p:blipFill>
+          <a:blip r:embed="rId5">
+            <a:extLst>
+              <a:ext uri="{BEBA8EAE-BF5A-486C-A8C5-ECC9F3942E4B}">
+                <a14:imgProps xmlns:a14="http://schemas.microsoft.com/office/drawing/2010/main">
+                  <a14:imgLayer r:embed="rId6">
+                    <a14:imgEffect>
+                      <a14:backgroundRemoval t="9846" b="94595" l="8526" r="94139">
+                        <a14:foregroundMark x1="11012" y1="14672" x2="11012" y2="14672"/>
+                        <a14:foregroundMark x1="8526" y1="15058" x2="8526" y2="15058"/>
+                        <a14:foregroundMark x1="9414" y1="15251" x2="23268" y2="22394"/>
+                        <a14:foregroundMark x1="23268" y1="22394" x2="80195" y2="83012"/>
+                        <a14:foregroundMark x1="32682" y1="11390" x2="71048" y2="14479"/>
+                        <a14:foregroundMark x1="71048" y1="14479" x2="91829" y2="11969"/>
+                        <a14:foregroundMark x1="91829" y1="11969" x2="93872" y2="29151"/>
+                        <a14:foregroundMark x1="93872" y1="29151" x2="94139" y2="94595"/>
+                        <a14:foregroundMark x1="94139" y1="94595" x2="94139" y2="94595"/>
+                      </a14:backgroundRemoval>
+                    </a14:imgEffect>
+                  </a14:imgLayer>
+                </a14:imgProps>
+              </a:ext>
+              <a:ext uri="{28A0092B-C50C-407E-A947-70E740481C1C}">
+                <a14:useLocalDpi xmlns:a14="http://schemas.microsoft.com/office/drawing/2010/main" val="0"/>
+              </a:ext>
+            </a:extLst>
+          </a:blip>
+          <a:stretch>
+            <a:fillRect/>
+          </a:stretch>
+        </p:blipFill>
+        <p:spPr>
+          <a:xfrm>
+            <a:off x="6334667" y="1297605"/>
+            <a:ext cx="3815666" cy="1755342"/>
+          </a:xfrm>
+          <a:prstGeom prst="rect">
+            <a:avLst/>
+          </a:prstGeom>
+        </p:spPr>
+      </p:pic>
+      <p:pic>
+        <p:nvPicPr>
+          <p:cNvPr id="10" name="Picture 9" descr="A table with text on it&#10;&#10;Description automatically generated">
+            <a:extLst>
+              <a:ext uri="{FF2B5EF4-FFF2-40B4-BE49-F238E27FC236}">
+                <a16:creationId xmlns:a16="http://schemas.microsoft.com/office/drawing/2014/main" id="{7704F5EB-8412-4FF3-84D5-2AB9962E39BF}"/>
+              </a:ext>
+            </a:extLst>
+          </p:cNvPr>
+          <p:cNvPicPr>
+            <a:picLocks noChangeAspect="1"/>
+          </p:cNvPicPr>
+          <p:nvPr/>
+        </p:nvPicPr>
+        <p:blipFill>
+          <a:blip r:embed="rId7">
+            <a:extLst>
+              <a:ext uri="{BEBA8EAE-BF5A-486C-A8C5-ECC9F3942E4B}">
+                <a14:imgProps xmlns:a14="http://schemas.microsoft.com/office/drawing/2010/main">
+                  <a14:imgLayer r:embed="rId8">
+                    <a14:imgEffect>
+                      <a14:backgroundRemoval t="10000" b="90000" l="10000" r="90000"/>
+                    </a14:imgEffect>
+                  </a14:imgLayer>
+                </a14:imgProps>
+              </a:ext>
+              <a:ext uri="{28A0092B-C50C-407E-A947-70E740481C1C}">
+                <a14:useLocalDpi xmlns:a14="http://schemas.microsoft.com/office/drawing/2010/main" val="0"/>
+              </a:ext>
+            </a:extLst>
+          </a:blip>
+          <a:stretch>
+            <a:fillRect/>
+          </a:stretch>
+        </p:blipFill>
+        <p:spPr>
+          <a:xfrm>
+            <a:off x="6267159" y="2967391"/>
+            <a:ext cx="3427673" cy="1873045"/>
+          </a:xfrm>
+          <a:prstGeom prst="rect">
+            <a:avLst/>
+          </a:prstGeom>
+        </p:spPr>
+      </p:pic>
+      <p:pic>
+        <p:nvPicPr>
+          <p:cNvPr id="3" name="s7.mp3">
+            <a:hlinkClick r:id="" action="ppaction://media"/>
+            <a:extLst>
+              <a:ext uri="{FF2B5EF4-FFF2-40B4-BE49-F238E27FC236}">
+                <a16:creationId xmlns:a16="http://schemas.microsoft.com/office/drawing/2014/main" id="{4A8E2D4B-86E1-9CB3-2EF2-4FC36E17A33B}"/>
+              </a:ext>
+            </a:extLst>
+          </p:cNvPr>
+          <p:cNvPicPr>
+            <a:picLocks noChangeAspect="1"/>
+          </p:cNvPicPr>
+          <p:nvPr>
+            <a:audioFile r:link="rId2"/>
+            <p:extLst>
+              <p:ext uri="{DAA4B4D4-6D71-4841-9C94-3DE7FCFB9230}">
+                <p14:media xmlns:p14="http://schemas.microsoft.com/office/powerpoint/2010/main" r:embed="rId1"/>
+              </p:ext>
+            </p:extLst>
+          </p:nvPr>
+        </p:nvPicPr>
+        <p:blipFill>
+          <a:blip r:embed="rId9"/>
+          <a:stretch>
+            <a:fillRect/>
+          </a:stretch>
+        </p:blipFill>
+        <p:spPr>
+          <a:xfrm>
+            <a:off x="11379200" y="6045200"/>
+            <a:ext cx="812800" cy="812800"/>
+          </a:xfrm>
+          <a:prstGeom prst="rect">
+            <a:avLst/>
+          </a:prstGeom>
+        </p:spPr>
+      </p:pic>
+    </p:spTree>
+    <p:extLst>
+      <p:ext uri="{BB962C8B-B14F-4D97-AF65-F5344CB8AC3E}">
+        <p14:creationId xmlns:p14="http://schemas.microsoft.com/office/powerpoint/2010/main" val="929483065"/>
+      </p:ext>
+    </p:extLst>
+  </p:cSld>
+  <p:clrMapOvr>
+    <a:masterClrMapping/>
+  </p:clrMapOvr>
+  <p:timing>
+    <p:tnLst>
+      <p:par>
+        <p:cTn id="1" dur="indefinite" restart="never" nodeType="tmRoot">
+          <p:childTnLst>
+            <p:seq concurrent="1" nextAc="seek">
+              <p:cTn id="2" dur="indefinite" nodeType="mainSeq">
+                <p:childTnLst>
+                  <p:par>
+                    <p:cTn id="3" fill="hold">
+                      <p:stCondLst>
+                        <p:cond delay="indefinite"/>
+                        <p:cond evt="onBegin" delay="0">
+                          <p:tn val="2"/>
+                        </p:cond>
+                      </p:stCondLst>
+                      <p:childTnLst>
+                        <p:par>
+                          <p:cTn id="4" fill="hold">
+                            <p:stCondLst>
+                              <p:cond delay="0"/>
+                            </p:stCondLst>
+                            <p:childTnLst>
+                              <p:par>
+                                <p:cTn id="5" presetID="1" presetClass="mediacall" presetSubtype="0" fill="hold" nodeType="afterEffect">
+                                  <p:stCondLst>
+                                    <p:cond delay="0"/>
+                                  </p:stCondLst>
+                                  <p:childTnLst>
+                                    <p:cmd type="call" cmd="playFrom(0.0)">
+                                      <p:cBhvr>
+                                        <p:cTn id="6" dur="40698" fill="hold"/>
+                                        <p:tgtEl>
+                                          <p:spTgt spid="3"/>
+                                        </p:tgtEl>
+                                      </p:cBhvr>
+                                    </p:cmd>
+                                  </p:childTnLst>
+                                </p:cTn>
+                              </p:par>
+                            </p:childTnLst>
+                          </p:cTn>
+                        </p:par>
+                      </p:childTnLst>
+                    </p:cTn>
+                  </p:par>
+                </p:childTnLst>
+              </p:cTn>
+              <p:prevCondLst>
+                <p:cond evt="onPrev" delay="0">
+                  <p:tgtEl>
+                    <p:sldTgt/>
+                  </p:tgtEl>
+                </p:cond>
+              </p:prevCondLst>
+              <p:nextCondLst>
+                <p:cond evt="onNext" delay="0">
+                  <p:tgtEl>
+                    <p:sldTgt/>
+                  </p:tgtEl>
+                </p:cond>
+              </p:nextCondLst>
+            </p:seq>
+            <p:audio>
+              <p:cMediaNode vol="80000" showWhenStopped="0">
+                <p:cTn id="7" fill="hold" display="0">
+                  <p:stCondLst>
+                    <p:cond delay="indefinite"/>
+                  </p:stCondLst>
+                  <p:endCondLst>
+                    <p:cond evt="onStopAudio" delay="0">
+                      <p:tgtEl>
+                        <p:sldTgt/>
+                      </p:tgtEl>
+                    </p:cond>
+                  </p:endCondLst>
+                </p:cTn>
+                <p:tgtEl>
+                  <p:spTgt spid="3"/>
+                </p:tgtEl>
+              </p:cMediaNode>
+            </p:audio>
+          </p:childTnLst>
+        </p:cTn>
+      </p:par>
+    </p:tnLst>
+  </p:timing>
+</p:sld>
+</file>
+
+<file path=ppt/slides/slide8.xml><?xml version="1.0" encoding="utf-8"?>
+<p:sld xmlns:a="http://schemas.openxmlformats.org/drawingml/2006/main" xmlns:r="http://schemas.openxmlformats.org/officeDocument/2006/relationships" xmlns:p="http://schemas.openxmlformats.org/presentationml/2006/main">
+  <p:cSld>
+    <p:spTree>
+      <p:nvGrpSpPr>
+        <p:cNvPr id="1" name=""/>
+        <p:cNvGrpSpPr/>
+        <p:nvPr/>
+      </p:nvGrpSpPr>
+      <p:grpSpPr>
+        <a:xfrm>
+          <a:off x="0" y="0"/>
+          <a:ext cx="0" cy="0"/>
+          <a:chOff x="0" y="0"/>
+          <a:chExt cx="0" cy="0"/>
+        </a:xfrm>
+      </p:grpSpPr>
+      <p:sp>
+        <p:nvSpPr>
+          <p:cNvPr id="2" name="Title 1">
+            <a:extLst>
+              <a:ext uri="{FF2B5EF4-FFF2-40B4-BE49-F238E27FC236}">
+                <a16:creationId xmlns:a16="http://schemas.microsoft.com/office/drawing/2014/main" id="{3514971F-CD4C-9FE8-95FC-DA1E7D745204}"/>
+              </a:ext>
+            </a:extLst>
+          </p:cNvPr>
+          <p:cNvSpPr>
+            <a:spLocks noGrp="1"/>
+          </p:cNvSpPr>
+          <p:nvPr>
+            <p:ph type="title"/>
+          </p:nvPr>
+        </p:nvSpPr>
+        <p:spPr/>
+        <p:txBody>
+          <a:bodyPr/>
+          <a:lstStyle/>
+          <a:p>
+            <a:r>
+              <a:rPr lang="en-US" dirty="0"/>
+              <a:t>Data Preparation</a:t>
+            </a:r>
+          </a:p>
+        </p:txBody>
+      </p:sp>
+      <p:sp>
+        <p:nvSpPr>
+          <p:cNvPr id="3" name="Content Placeholder 2">
+            <a:extLst>
+              <a:ext uri="{FF2B5EF4-FFF2-40B4-BE49-F238E27FC236}">
+                <a16:creationId xmlns:a16="http://schemas.microsoft.com/office/drawing/2014/main" id="{A3AD1A87-1255-B937-72AA-B8C34FC2720F}"/>
+              </a:ext>
+            </a:extLst>
+          </p:cNvPr>
+          <p:cNvSpPr>
+            <a:spLocks noGrp="1"/>
+          </p:cNvSpPr>
+          <p:nvPr>
+            <p:ph idx="1"/>
+          </p:nvPr>
+        </p:nvSpPr>
+        <p:spPr/>
+        <p:txBody>
+          <a:bodyPr vert="horz" lIns="91440" tIns="45720" rIns="91440" bIns="45720" rtlCol="0" anchor="t">
+            <a:normAutofit/>
+          </a:bodyPr>
+          <a:lstStyle/>
+          <a:p>
+            <a:r>
+              <a:rPr lang="en-US" b="1" dirty="0"/>
+              <a:t>Transform data and build a data pipeline.</a:t>
+            </a:r>
+          </a:p>
+          <a:p>
+            <a:r>
+              <a:rPr lang="en-US" b="1" dirty="0"/>
+              <a:t>Load into a data store</a:t>
+            </a:r>
+          </a:p>
+          <a:p>
+            <a:r>
+              <a:rPr lang="en-US" b="1" dirty="0"/>
+              <a:t>Ingest the data into our analytical and model training environment.</a:t>
+            </a:r>
+          </a:p>
+          <a:p>
+            <a:r>
+              <a:rPr lang="en-US" b="1" dirty="0"/>
+              <a:t>Cleaning the data to remove any dirty data</a:t>
+            </a:r>
+          </a:p>
+          <a:p>
+            <a:r>
+              <a:rPr lang="en-US" b="1" dirty="0"/>
+              <a:t>Exploratory Data Analysis.</a:t>
+            </a:r>
+          </a:p>
+          <a:p>
+            <a:pPr lvl="1"/>
+            <a:r>
+              <a:rPr lang="en-US" b="1" dirty="0"/>
+              <a:t>Describe data</a:t>
+            </a:r>
+          </a:p>
+          <a:p>
+            <a:pPr lvl="1"/>
+            <a:r>
+              <a:rPr lang="en-US" b="1" dirty="0"/>
+              <a:t>Feature selection and engineering</a:t>
+            </a:r>
+          </a:p>
+          <a:p>
+            <a:endParaRPr lang="en-US" b="1" dirty="0"/>
+          </a:p>
+        </p:txBody>
+      </p:sp>
+      <p:pic>
+        <p:nvPicPr>
+          <p:cNvPr id="4" name="s8.mp3">
+            <a:hlinkClick r:id="" action="ppaction://media"/>
+            <a:extLst>
+              <a:ext uri="{FF2B5EF4-FFF2-40B4-BE49-F238E27FC236}">
+                <a16:creationId xmlns:a16="http://schemas.microsoft.com/office/drawing/2014/main" id="{700D9A9D-3711-C80A-BAFF-EE9F60B57FA5}"/>
+              </a:ext>
+            </a:extLst>
+          </p:cNvPr>
+          <p:cNvPicPr>
+            <a:picLocks noChangeAspect="1"/>
+          </p:cNvPicPr>
+          <p:nvPr>
+            <a:audioFile r:link="rId2"/>
+            <p:extLst>
+              <p:ext uri="{DAA4B4D4-6D71-4841-9C94-3DE7FCFB9230}">
+                <p14:media xmlns:p14="http://schemas.microsoft.com/office/powerpoint/2010/main" r:embed="rId1"/>
+              </p:ext>
+            </p:extLst>
+          </p:nvPr>
+        </p:nvPicPr>
+        <p:blipFill>
+          <a:blip r:embed="rId4"/>
+          <a:stretch>
+            <a:fillRect/>
+          </a:stretch>
+        </p:blipFill>
+        <p:spPr>
+          <a:xfrm>
+            <a:off x="11379200" y="6045200"/>
+            <a:ext cx="812800" cy="812800"/>
+          </a:xfrm>
+          <a:prstGeom prst="rect">
+            <a:avLst/>
+          </a:prstGeom>
+        </p:spPr>
+      </p:pic>
+    </p:spTree>
+    <p:extLst>
+      <p:ext uri="{BB962C8B-B14F-4D97-AF65-F5344CB8AC3E}">
+        <p14:creationId xmlns:p14="http://schemas.microsoft.com/office/powerpoint/2010/main" val="3781295737"/>
+      </p:ext>
+    </p:extLst>
+  </p:cSld>
+  <p:clrMapOvr>
+    <a:masterClrMapping/>
+  </p:clrMapOvr>
+  <p:timing>
+    <p:tnLst>
+      <p:par>
+        <p:cTn id="1" dur="indefinite" restart="never" nodeType="tmRoot">
+          <p:childTnLst>
+            <p:seq concurrent="1" nextAc="seek">
+              <p:cTn id="2" dur="indefinite" nodeType="mainSeq">
+                <p:childTnLst>
+                  <p:par>
+                    <p:cTn id="3" fill="hold">
+                      <p:stCondLst>
+                        <p:cond delay="indefinite"/>
+                        <p:cond evt="onBegin" delay="0">
+                          <p:tn val="2"/>
+                        </p:cond>
+                      </p:stCondLst>
+                      <p:childTnLst>
+                        <p:par>
+                          <p:cTn id="4" fill="hold">
+                            <p:stCondLst>
+                              <p:cond delay="0"/>
+                            </p:stCondLst>
+                            <p:childTnLst>
+                              <p:par>
+                                <p:cTn id="5" presetID="1" presetClass="mediacall" presetSubtype="0" fill="hold" nodeType="afterEffect">
+                                  <p:stCondLst>
+                                    <p:cond delay="0"/>
+                                  </p:stCondLst>
+                                  <p:childTnLst>
+                                    <p:cmd type="call" cmd="playFrom(0.0)">
+                                      <p:cBhvr>
+                                        <p:cTn id="6" dur="38112" fill="hold"/>
+                                        <p:tgtEl>
+                                          <p:spTgt spid="4"/>
+                                        </p:tgtEl>
+                                      </p:cBhvr>
+                                    </p:cmd>
+                                  </p:childTnLst>
+                                </p:cTn>
+                              </p:par>
+                            </p:childTnLst>
+                          </p:cTn>
+                        </p:par>
+                      </p:childTnLst>
+                    </p:cTn>
+                  </p:par>
+                </p:childTnLst>
+              </p:cTn>
+              <p:prevCondLst>
+                <p:cond evt="onPrev" delay="0">
+                  <p:tgtEl>
+                    <p:sldTgt/>
+                  </p:tgtEl>
+                </p:cond>
+              </p:prevCondLst>
+              <p:nextCondLst>
+                <p:cond evt="onNext" delay="0">
+                  <p:tgtEl>
+                    <p:sldTgt/>
+                  </p:tgtEl>
+                </p:cond>
+              </p:nextCondLst>
+            </p:seq>
+            <p:audio>
+              <p:cMediaNode vol="80000" showWhenStopped="0">
+                <p:cTn id="7" fill="hold" display="0">
+                  <p:stCondLst>
+                    <p:cond delay="indefinite"/>
+                  </p:stCondLst>
+                  <p:endCondLst>
+                    <p:cond evt="onStopAudio" delay="0">
+                      <p:tgtEl>
+                        <p:sldTgt/>
+                      </p:tgtEl>
+                    </p:cond>
+                  </p:endCondLst>
+                </p:cTn>
+                <p:tgtEl>
+                  <p:spTgt spid="4"/>
+                </p:tgtEl>
+              </p:cMediaNode>
+            </p:audio>
+          </p:childTnLst>
+        </p:cTn>
+      </p:par>
+    </p:tnLst>
+  </p:timing>
 </p:sld>
 </file>
 
@@ -4992,53 +6322,218 @@
       </p:grpSpPr>
       <p:sp>
         <p:nvSpPr>
-          <p:cNvPr id="3" name="Content Placeholder 2">
-            <a:extLst>
-              <a:ext uri="{FF2B5EF4-FFF2-40B4-BE49-F238E27FC236}">
-                <a16:creationId xmlns:a16="http://schemas.microsoft.com/office/drawing/2014/main" id="{0365FB92-E70F-1D30-3435-B5BD7C1FC638}"/>
-              </a:ext>
-            </a:extLst>
-          </p:cNvPr>
-          <p:cNvSpPr>
-            <a:spLocks noGrp="1"/>
-          </p:cNvSpPr>
-          <p:nvPr>
-            <p:ph idx="1"/>
-          </p:nvPr>
-        </p:nvSpPr>
-        <p:spPr>
-          <a:xfrm>
-            <a:off x="980256" y="2894951"/>
-            <a:ext cx="10104408" cy="1053526"/>
-          </a:xfrm>
-        </p:spPr>
-        <p:txBody>
-          <a:bodyPr vert="horz" lIns="91440" tIns="45720" rIns="91440" bIns="45720" rtlCol="0" anchor="t">
+          <p:cNvPr id="2" name="Title 1">
+            <a:extLst>
+              <a:ext uri="{FF2B5EF4-FFF2-40B4-BE49-F238E27FC236}">
+                <a16:creationId xmlns:a16="http://schemas.microsoft.com/office/drawing/2014/main" id="{3889E275-14BC-3969-DC14-BB08FCE677C9}"/>
+              </a:ext>
+            </a:extLst>
+          </p:cNvPr>
+          <p:cNvSpPr>
+            <a:spLocks noGrp="1"/>
+          </p:cNvSpPr>
+          <p:nvPr>
+            <p:ph type="title"/>
+          </p:nvPr>
+        </p:nvSpPr>
+        <p:spPr/>
+        <p:txBody>
+          <a:bodyPr>
             <a:normAutofit/>
           </a:bodyPr>
           <a:lstStyle/>
           <a:p>
-            <a:pPr marL="0" indent="0" algn="ctr">
-              <a:buNone/>
-            </a:pPr>
-            <a:r>
-              <a:rPr lang="en-US" sz="4800" dirty="0"/>
-              <a:t>THANK YOU</a:t>
-            </a:r>
-            <a:endParaRPr lang="en-US"/>
-          </a:p>
-        </p:txBody>
-      </p:sp>
+            <a:r>
+              <a:rPr lang="en-NG" dirty="0"/>
+              <a:t>Measures of Success	</a:t>
+            </a:r>
+          </a:p>
+        </p:txBody>
+      </p:sp>
+      <p:sp>
+        <p:nvSpPr>
+          <p:cNvPr id="3" name="Content Placeholder 2">
+            <a:extLst>
+              <a:ext uri="{FF2B5EF4-FFF2-40B4-BE49-F238E27FC236}">
+                <a16:creationId xmlns:a16="http://schemas.microsoft.com/office/drawing/2014/main" id="{4B6398DF-0555-D771-241E-9B226EB6CB5D}"/>
+              </a:ext>
+            </a:extLst>
+          </p:cNvPr>
+          <p:cNvSpPr>
+            <a:spLocks noGrp="1"/>
+          </p:cNvSpPr>
+          <p:nvPr>
+            <p:ph idx="1"/>
+          </p:nvPr>
+        </p:nvSpPr>
+        <p:spPr/>
+        <p:txBody>
+          <a:bodyPr/>
+          <a:lstStyle/>
+          <a:p>
+            <a:r>
+              <a:rPr lang="en-NG" dirty="0"/>
+              <a:t>M</a:t>
+            </a:r>
+            <a:r>
+              <a:rPr lang="en-GB" dirty="0"/>
+              <a:t>o</a:t>
+            </a:r>
+            <a:r>
+              <a:rPr lang="en-NG" dirty="0"/>
+              <a:t>del Performance</a:t>
+            </a:r>
+          </a:p>
+          <a:p>
+            <a:pPr lvl="1"/>
+            <a:r>
+              <a:rPr lang="en-NG" dirty="0"/>
+              <a:t>RMSE or MSE or MAE</a:t>
+            </a:r>
+          </a:p>
+          <a:p>
+            <a:r>
+              <a:rPr lang="en-NG" dirty="0"/>
+              <a:t>Successfully deploy &amp; serve the model for prospective food businesses </a:t>
+            </a:r>
+          </a:p>
+        </p:txBody>
+      </p:sp>
+      <p:pic>
+        <p:nvPicPr>
+          <p:cNvPr id="4" name="s9.mp3">
+            <a:hlinkClick r:id="" action="ppaction://media"/>
+            <a:extLst>
+              <a:ext uri="{FF2B5EF4-FFF2-40B4-BE49-F238E27FC236}">
+                <a16:creationId xmlns:a16="http://schemas.microsoft.com/office/drawing/2014/main" id="{35DA5B2F-444A-9317-64FC-E721092F4FD6}"/>
+              </a:ext>
+            </a:extLst>
+          </p:cNvPr>
+          <p:cNvPicPr>
+            <a:picLocks noChangeAspect="1"/>
+          </p:cNvPicPr>
+          <p:nvPr>
+            <a:audioFile r:link="rId2"/>
+            <p:extLst>
+              <p:ext uri="{DAA4B4D4-6D71-4841-9C94-3DE7FCFB9230}">
+                <p14:media xmlns:p14="http://schemas.microsoft.com/office/powerpoint/2010/main" r:embed="rId1"/>
+              </p:ext>
+            </p:extLst>
+          </p:nvPr>
+        </p:nvPicPr>
+        <p:blipFill>
+          <a:blip r:embed="rId4"/>
+          <a:stretch>
+            <a:fillRect/>
+          </a:stretch>
+        </p:blipFill>
+        <p:spPr>
+          <a:xfrm>
+            <a:off x="11379200" y="6045200"/>
+            <a:ext cx="812800" cy="812800"/>
+          </a:xfrm>
+          <a:prstGeom prst="rect">
+            <a:avLst/>
+          </a:prstGeom>
+        </p:spPr>
+      </p:pic>
     </p:spTree>
     <p:extLst>
       <p:ext uri="{BB962C8B-B14F-4D97-AF65-F5344CB8AC3E}">
-        <p14:creationId xmlns:p14="http://schemas.microsoft.com/office/powerpoint/2010/main" val="797935927"/>
+        <p14:creationId xmlns:p14="http://schemas.microsoft.com/office/powerpoint/2010/main" val="2295577403"/>
       </p:ext>
     </p:extLst>
   </p:cSld>
   <p:clrMapOvr>
     <a:masterClrMapping/>
   </p:clrMapOvr>
+  <p:timing>
+    <p:tnLst>
+      <p:par>
+        <p:cTn id="1" dur="indefinite" restart="never" nodeType="tmRoot">
+          <p:childTnLst>
+            <p:seq concurrent="1" nextAc="seek">
+              <p:cTn id="2" dur="indefinite" nodeType="mainSeq">
+                <p:childTnLst>
+                  <p:par>
+                    <p:cTn id="3" fill="hold">
+                      <p:stCondLst>
+                        <p:cond delay="indefinite"/>
+                        <p:cond evt="onBegin" delay="0">
+                          <p:tn val="2"/>
+                        </p:cond>
+                      </p:stCondLst>
+                      <p:childTnLst>
+                        <p:par>
+                          <p:cTn id="4" fill="hold">
+                            <p:stCondLst>
+                              <p:cond delay="0"/>
+                            </p:stCondLst>
+                            <p:childTnLst>
+                              <p:par>
+                                <p:cTn id="5" presetID="1" presetClass="mediacall" presetSubtype="0" fill="hold" nodeType="afterEffect">
+                                  <p:stCondLst>
+                                    <p:cond delay="0"/>
+                                  </p:stCondLst>
+                                  <p:childTnLst>
+                                    <p:cmd type="call" cmd="playFrom(0.0)">
+                                      <p:cBhvr>
+                                        <p:cTn id="6" dur="34272" fill="hold"/>
+                                        <p:tgtEl>
+                                          <p:spTgt spid="4"/>
+                                        </p:tgtEl>
+                                      </p:cBhvr>
+                                    </p:cmd>
+                                  </p:childTnLst>
+                                </p:cTn>
+                              </p:par>
+                            </p:childTnLst>
+                          </p:cTn>
+                        </p:par>
+                      </p:childTnLst>
+                    </p:cTn>
+                  </p:par>
+                </p:childTnLst>
+              </p:cTn>
+              <p:prevCondLst>
+                <p:cond evt="onPrev" delay="0">
+                  <p:tgtEl>
+                    <p:sldTgt/>
+                  </p:tgtEl>
+                </p:cond>
+              </p:prevCondLst>
+              <p:nextCondLst>
+                <p:cond evt="onNext" delay="0">
+                  <p:tgtEl>
+                    <p:sldTgt/>
+                  </p:tgtEl>
+                </p:cond>
+              </p:nextCondLst>
+            </p:seq>
+            <p:audio>
+              <p:cMediaNode vol="80000" showWhenStopped="0">
+                <p:cTn id="7" fill="hold" display="0">
+                  <p:stCondLst>
+                    <p:cond delay="indefinite"/>
+                  </p:stCondLst>
+                  <p:endCondLst>
+                    <p:cond evt="onStopAudio" delay="0">
+                      <p:tgtEl>
+                        <p:sldTgt/>
+                      </p:tgtEl>
+                    </p:cond>
+                  </p:endCondLst>
+                </p:cTn>
+                <p:tgtEl>
+                  <p:spTgt spid="4"/>
+                </p:tgtEl>
+              </p:cMediaNode>
+            </p:audio>
+          </p:childTnLst>
+        </p:cTn>
+      </p:par>
+    </p:tnLst>
+  </p:timing>
 </p:sld>
 </file>
 
